--- a/week_13/week_13.pptx
+++ b/week_13/week_13.pptx
@@ -212,7 +212,7 @@
           <a:p>
             <a:fld id="{A756DEA0-F944-5946-9B95-BC7B5255CD05}" type="datetimeFigureOut">
               <a:rPr lang="en-US" smtClean="0"/>
-              <a:t>4/20/16</a:t>
+              <a:t>4/22/16</a:t>
             </a:fld>
             <a:endParaRPr lang="en-US"/>
           </a:p>
@@ -1572,7 +1572,7 @@
           <a:p>
             <a:fld id="{9E016143-E03C-4CFD-AFDC-14E5BDEA754C}" type="datetimeFigureOut">
               <a:rPr lang="en-US" dirty="0"/>
-              <a:t>4/20/16</a:t>
+              <a:t>4/22/16</a:t>
             </a:fld>
             <a:endParaRPr lang="en-US" dirty="0"/>
           </a:p>
@@ -1796,7 +1796,7 @@
           <a:p>
             <a:fld id="{C033E54A-A8CA-48C1-9504-691B58049D29}" type="datetimeFigureOut">
               <a:rPr lang="en-US" dirty="0"/>
-              <a:t>4/20/16</a:t>
+              <a:t>4/22/16</a:t>
             </a:fld>
             <a:endParaRPr lang="en-US" dirty="0"/>
           </a:p>
@@ -1971,7 +1971,7 @@
           <a:p>
             <a:fld id="{B5F6C806-BBF7-471C-9527-881CE2266695}" type="datetimeFigureOut">
               <a:rPr lang="en-US" dirty="0"/>
-              <a:t>4/20/16</a:t>
+              <a:t>4/22/16</a:t>
             </a:fld>
             <a:endParaRPr lang="en-US" dirty="0"/>
           </a:p>
@@ -2136,7 +2136,7 @@
           <a:p>
             <a:fld id="{78C94063-DF36-4330-A365-08DA1FA5B7D6}" type="datetimeFigureOut">
               <a:rPr lang="en-US" dirty="0"/>
-              <a:t>4/20/16</a:t>
+              <a:t>4/22/16</a:t>
             </a:fld>
             <a:endParaRPr lang="en-US" dirty="0"/>
           </a:p>
@@ -2385,7 +2385,7 @@
           <a:p>
             <a:fld id="{908A7C6C-0F39-4D70-8E8D-FE5B9C95FA73}" type="datetimeFigureOut">
               <a:rPr lang="en-US" dirty="0"/>
-              <a:t>4/20/16</a:t>
+              <a:t>4/22/16</a:t>
             </a:fld>
             <a:endParaRPr lang="en-US" dirty="0"/>
           </a:p>
@@ -2706,7 +2706,7 @@
           <a:p>
             <a:fld id="{DFCFA4AC-08CC-42CE-BD01-C191750A04EC}" type="datetimeFigureOut">
               <a:rPr lang="en-US" dirty="0"/>
-              <a:t>4/20/16</a:t>
+              <a:t>4/22/16</a:t>
             </a:fld>
             <a:endParaRPr lang="en-US" dirty="0"/>
           </a:p>
@@ -3152,7 +3152,7 @@
           <a:p>
             <a:fld id="{1BA7A723-92A7-435B-B681-F25B092FEFEB}" type="datetimeFigureOut">
               <a:rPr lang="en-US" dirty="0"/>
-              <a:t>4/20/16</a:t>
+              <a:t>4/22/16</a:t>
             </a:fld>
             <a:endParaRPr lang="en-US" dirty="0"/>
           </a:p>
@@ -3265,7 +3265,7 @@
           <a:p>
             <a:fld id="{4F170639-886C-4FCF-9EAB-ABB5DA3F3F4A}" type="datetimeFigureOut">
               <a:rPr lang="en-US" dirty="0"/>
-              <a:t>4/20/16</a:t>
+              <a:t>4/22/16</a:t>
             </a:fld>
             <a:endParaRPr lang="en-US" dirty="0"/>
           </a:p>
@@ -3355,7 +3355,7 @@
           <a:p>
             <a:fld id="{22230651-31F4-45D2-98AE-A2108F41BC07}" type="datetimeFigureOut">
               <a:rPr lang="en-US" dirty="0"/>
-              <a:t>4/20/16</a:t>
+              <a:t>4/22/16</a:t>
             </a:fld>
             <a:endParaRPr lang="en-US" dirty="0"/>
           </a:p>
@@ -3637,7 +3637,7 @@
           <a:p>
             <a:fld id="{6F53789A-C914-4DB1-8815-80B5EC7335C5}" type="datetimeFigureOut">
               <a:rPr lang="en-US" dirty="0"/>
-              <a:t>4/20/16</a:t>
+              <a:t>4/22/16</a:t>
             </a:fld>
             <a:endParaRPr lang="en-US" dirty="0"/>
           </a:p>
@@ -3957,7 +3957,7 @@
           <a:p>
             <a:fld id="{5E6440AA-91A0-436F-8FDB-C0F939DCAE21}" type="datetimeFigureOut">
               <a:rPr lang="en-US" dirty="0"/>
-              <a:t>4/20/16</a:t>
+              <a:t>4/22/16</a:t>
             </a:fld>
             <a:endParaRPr lang="en-US" dirty="0"/>
           </a:p>
@@ -4206,7 +4206,7 @@
           <a:p>
             <a:fld id="{0E59FD0C-5451-4CA0-86AF-E70AE3279989}" type="datetimeFigureOut">
               <a:rPr lang="en-US" dirty="0"/>
-              <a:t>4/20/16</a:t>
+              <a:t>4/22/16</a:t>
             </a:fld>
             <a:endParaRPr lang="en-US" dirty="0"/>
           </a:p>
@@ -4731,30 +4731,13 @@
           <a:p>
             <a:r>
               <a:rPr lang="en-US" dirty="0" smtClean="0"/>
-              <a:t>Week </a:t>
-            </a:r>
+              <a:t>Week 13: Concurrency and Threading</a:t>
+            </a:r>
+          </a:p>
+          <a:p>
             <a:r>
               <a:rPr lang="en-US" dirty="0" smtClean="0"/>
-              <a:t>13: Concurrency and Threading</a:t>
-            </a:r>
-            <a:endParaRPr lang="en-US" dirty="0" smtClean="0"/>
-          </a:p>
-          <a:p>
-            <a:r>
-              <a:rPr lang="en-US" dirty="0" smtClean="0"/>
-              <a:t>April </a:t>
-            </a:r>
-            <a:r>
-              <a:rPr lang="en-US" dirty="0" smtClean="0"/>
-              <a:t>21</a:t>
-            </a:r>
-            <a:r>
-              <a:rPr lang="en-US" dirty="0" smtClean="0"/>
-              <a:t>, </a:t>
-            </a:r>
-            <a:r>
-              <a:rPr lang="en-US" dirty="0" smtClean="0"/>
-              <a:t>2016</a:t>
+              <a:t>April 21, 2016</a:t>
             </a:r>
             <a:endParaRPr lang="en-US" dirty="0"/>
           </a:p>
@@ -4858,7 +4841,6 @@
               <a:rPr lang="en-US" sz="3000" dirty="0" smtClean="0"/>
               <a:t>The Concurrency Utilities framework provides higher-level classes and interfaces to simplify threading</a:t>
             </a:r>
-            <a:endParaRPr lang="en-US" sz="3000" dirty="0" smtClean="0"/>
           </a:p>
         </p:txBody>
       </p:sp>
@@ -5216,7 +5198,6 @@
               <a:rPr lang="en-US" sz="3000" dirty="0" smtClean="0"/>
               <a:t> </a:t>
             </a:r>
-            <a:endParaRPr lang="en-US" sz="3000" dirty="0" smtClean="0"/>
           </a:p>
         </p:txBody>
       </p:sp>
@@ -5645,7 +5626,62 @@
                 <a:ea typeface="Consolas" charset="0"/>
                 <a:cs typeface="Consolas" charset="0"/>
               </a:rPr>
-              <a:t>some code synchronize(object) { </a:t>
+              <a:t>some </a:t>
+            </a:r>
+            <a:r>
+              <a:rPr lang="en-US" sz="3200">
+                <a:solidFill>
+                  <a:srgbClr val="FF0000"/>
+                </a:solidFill>
+                <a:latin typeface="Consolas" charset="0"/>
+                <a:ea typeface="Consolas" charset="0"/>
+                <a:cs typeface="Consolas" charset="0"/>
+              </a:rPr>
+              <a:t>code </a:t>
+            </a:r>
+            <a:endParaRPr lang="en-US" sz="3200" smtClean="0">
+              <a:solidFill>
+                <a:srgbClr val="FF0000"/>
+              </a:solidFill>
+              <a:latin typeface="Consolas" charset="0"/>
+              <a:ea typeface="Consolas" charset="0"/>
+              <a:cs typeface="Consolas" charset="0"/>
+            </a:endParaRPr>
+          </a:p>
+          <a:p>
+            <a:pPr marL="0" indent="0">
+              <a:lnSpc>
+                <a:spcPct val="120000"/>
+              </a:lnSpc>
+              <a:spcBef>
+                <a:spcPts val="0"/>
+              </a:spcBef>
+              <a:spcAft>
+                <a:spcPts val="0"/>
+              </a:spcAft>
+              <a:buNone/>
+            </a:pPr>
+            <a:r>
+              <a:rPr lang="en-US" sz="3200" smtClean="0">
+                <a:solidFill>
+                  <a:srgbClr val="FF0000"/>
+                </a:solidFill>
+                <a:latin typeface="Consolas" charset="0"/>
+                <a:ea typeface="Consolas" charset="0"/>
+                <a:cs typeface="Consolas" charset="0"/>
+              </a:rPr>
+              <a:t>synchronize(object</a:t>
+            </a:r>
+            <a:r>
+              <a:rPr lang="en-US" sz="3200" dirty="0">
+                <a:solidFill>
+                  <a:srgbClr val="FF0000"/>
+                </a:solidFill>
+                <a:latin typeface="Consolas" charset="0"/>
+                <a:ea typeface="Consolas" charset="0"/>
+                <a:cs typeface="Consolas" charset="0"/>
+              </a:rPr>
+              <a:t>) { </a:t>
             </a:r>
             <a:endParaRPr lang="en-US" sz="3200" dirty="0" smtClean="0">
               <a:solidFill>
@@ -5930,11 +5966,7 @@
             </a:r>
             <a:r>
               <a:rPr lang="en-US" sz="2800" dirty="0" smtClean="0"/>
-              <a:t>, pp. </a:t>
-            </a:r>
-            <a:r>
-              <a:rPr lang="en-US" sz="2800" dirty="0" smtClean="0"/>
-              <a:t>324-354, 487-536</a:t>
+              <a:t>, pp. 324-354, 487-536</a:t>
             </a:r>
             <a:endParaRPr lang="en-US" sz="2800" i="1" dirty="0"/>
           </a:p>
@@ -6156,11 +6188,7 @@
           <a:p>
             <a:r>
               <a:rPr lang="en-US" dirty="0" smtClean="0"/>
-              <a:t>Runnable Interface</a:t>
-            </a:r>
-            <a:r>
-              <a:rPr lang="en-US" dirty="0" smtClean="0"/>
-              <a:t>	</a:t>
+              <a:t>Runnable Interface	</a:t>
             </a:r>
             <a:endParaRPr lang="en-US" dirty="0"/>
           </a:p>
@@ -6193,7 +6221,6 @@
               <a:rPr lang="en-US" sz="3000" dirty="0" smtClean="0"/>
               <a:t>Declares a single method that takes no parameters and returns no value</a:t>
             </a:r>
-            <a:endParaRPr lang="en-US" sz="3000" dirty="0" smtClean="0"/>
           </a:p>
         </p:txBody>
       </p:sp>
@@ -6604,7 +6631,6 @@
               <a:rPr lang="en-US" sz="3000" dirty="0" smtClean="0"/>
               <a:t> method</a:t>
             </a:r>
-            <a:endParaRPr lang="en-US" sz="3000" dirty="0" smtClean="0"/>
           </a:p>
         </p:txBody>
       </p:sp>
@@ -6686,11 +6712,7 @@
           <a:p>
             <a:r>
               <a:rPr lang="en-US" sz="3000" dirty="0" smtClean="0"/>
-              <a:t>We can use uncaught exception handlers to deal with exceptions that occur in threads that aren’t handled elsewhere in th</a:t>
-            </a:r>
-            <a:r>
-              <a:rPr lang="en-US" sz="3000" dirty="0" smtClean="0"/>
-              <a:t>e thread</a:t>
+              <a:t>We can use uncaught exception handlers to deal with exceptions that occur in threads that aren’t handled elsewhere in the thread</a:t>
             </a:r>
           </a:p>
         </p:txBody>

--- a/week_13/week_13.pptx
+++ b/week_13/week_13.pptx
@@ -212,7 +212,7 @@
           <a:p>
             <a:fld id="{A756DEA0-F944-5946-9B95-BC7B5255CD05}" type="datetimeFigureOut">
               <a:rPr lang="en-US" smtClean="0"/>
-              <a:t>4/22/16</a:t>
+              <a:t>11/21/16</a:t>
             </a:fld>
             <a:endParaRPr lang="en-US"/>
           </a:p>
@@ -524,7 +524,7 @@
           <a:bodyPr/>
           <a:lstStyle/>
           <a:p>
-            <a:endParaRPr lang="en-US" dirty="0"/>
+            <a:endParaRPr lang="en-US"/>
           </a:p>
         </p:txBody>
       </p:sp>
@@ -545,7 +545,7 @@
           <a:p>
             <a:fld id="{0FF3EE0D-70A9-3744-80A0-179DFFBD3C67}" type="slidenum">
               <a:rPr lang="en-US" smtClean="0"/>
-              <a:t>4</a:t>
+              <a:t>1</a:t>
             </a:fld>
             <a:endParaRPr lang="en-US"/>
           </a:p>
@@ -554,7 +554,7 @@
     </p:spTree>
     <p:extLst>
       <p:ext uri="{BB962C8B-B14F-4D97-AF65-F5344CB8AC3E}">
-        <p14:creationId xmlns:p14="http://schemas.microsoft.com/office/powerpoint/2010/main" val="700590728"/>
+        <p14:creationId xmlns:p14="http://schemas.microsoft.com/office/powerpoint/2010/main" val="1134512332"/>
       </p:ext>
     </p:extLst>
   </p:cSld>
@@ -629,6 +629,90 @@
           <a:p>
             <a:fld id="{0FF3EE0D-70A9-3744-80A0-179DFFBD3C67}" type="slidenum">
               <a:rPr lang="en-US" smtClean="0"/>
+              <a:t>13</a:t>
+            </a:fld>
+            <a:endParaRPr lang="en-US"/>
+          </a:p>
+        </p:txBody>
+      </p:sp>
+    </p:spTree>
+    <p:extLst>
+      <p:ext uri="{BB962C8B-B14F-4D97-AF65-F5344CB8AC3E}">
+        <p14:creationId xmlns:p14="http://schemas.microsoft.com/office/powerpoint/2010/main" val="2053163609"/>
+      </p:ext>
+    </p:extLst>
+  </p:cSld>
+  <p:clrMapOvr>
+    <a:masterClrMapping/>
+  </p:clrMapOvr>
+</p:notes>
+</file>
+
+<file path=ppt/notesSlides/notesSlide11.xml><?xml version="1.0" encoding="utf-8"?>
+<p:notes xmlns:a="http://schemas.openxmlformats.org/drawingml/2006/main" xmlns:r="http://schemas.openxmlformats.org/officeDocument/2006/relationships" xmlns:p="http://schemas.openxmlformats.org/presentationml/2006/main">
+  <p:cSld>
+    <p:spTree>
+      <p:nvGrpSpPr>
+        <p:cNvPr id="1" name=""/>
+        <p:cNvGrpSpPr/>
+        <p:nvPr/>
+      </p:nvGrpSpPr>
+      <p:grpSpPr>
+        <a:xfrm>
+          <a:off x="0" y="0"/>
+          <a:ext cx="0" cy="0"/>
+          <a:chOff x="0" y="0"/>
+          <a:chExt cx="0" cy="0"/>
+        </a:xfrm>
+      </p:grpSpPr>
+      <p:sp>
+        <p:nvSpPr>
+          <p:cNvPr id="2" name="Slide Image Placeholder 1"/>
+          <p:cNvSpPr>
+            <a:spLocks noGrp="1" noRot="1" noChangeAspect="1"/>
+          </p:cNvSpPr>
+          <p:nvPr>
+            <p:ph type="sldImg"/>
+          </p:nvPr>
+        </p:nvSpPr>
+        <p:spPr/>
+      </p:sp>
+      <p:sp>
+        <p:nvSpPr>
+          <p:cNvPr id="3" name="Notes Placeholder 2"/>
+          <p:cNvSpPr>
+            <a:spLocks noGrp="1"/>
+          </p:cNvSpPr>
+          <p:nvPr>
+            <p:ph type="body" idx="1"/>
+          </p:nvPr>
+        </p:nvSpPr>
+        <p:spPr/>
+        <p:txBody>
+          <a:bodyPr/>
+          <a:lstStyle/>
+          <a:p>
+            <a:endParaRPr lang="en-US" dirty="0"/>
+          </a:p>
+        </p:txBody>
+      </p:sp>
+      <p:sp>
+        <p:nvSpPr>
+          <p:cNvPr id="4" name="Slide Number Placeholder 3"/>
+          <p:cNvSpPr>
+            <a:spLocks noGrp="1"/>
+          </p:cNvSpPr>
+          <p:nvPr>
+            <p:ph type="sldNum" sz="quarter" idx="10"/>
+          </p:nvPr>
+        </p:nvSpPr>
+        <p:spPr/>
+        <p:txBody>
+          <a:bodyPr/>
+          <a:lstStyle/>
+          <a:p>
+            <a:fld id="{0FF3EE0D-70A9-3744-80A0-179DFFBD3C67}" type="slidenum">
+              <a:rPr lang="en-US" smtClean="0"/>
               <a:t>14</a:t>
             </a:fld>
             <a:endParaRPr lang="en-US"/>
@@ -648,7 +732,7 @@
 </p:notes>
 </file>
 
-<file path=ppt/notesSlides/notesSlide11.xml><?xml version="1.0" encoding="utf-8"?>
+<file path=ppt/notesSlides/notesSlide12.xml><?xml version="1.0" encoding="utf-8"?>
 <p:notes xmlns:a="http://schemas.openxmlformats.org/drawingml/2006/main" xmlns:r="http://schemas.openxmlformats.org/officeDocument/2006/relationships" xmlns:p="http://schemas.openxmlformats.org/presentationml/2006/main">
   <p:cSld>
     <p:spTree>
@@ -797,7 +881,7 @@
           <a:p>
             <a:fld id="{0FF3EE0D-70A9-3744-80A0-179DFFBD3C67}" type="slidenum">
               <a:rPr lang="en-US" smtClean="0"/>
-              <a:t>5</a:t>
+              <a:t>4</a:t>
             </a:fld>
             <a:endParaRPr lang="en-US"/>
           </a:p>
@@ -806,7 +890,7 @@
     </p:spTree>
     <p:extLst>
       <p:ext uri="{BB962C8B-B14F-4D97-AF65-F5344CB8AC3E}">
-        <p14:creationId xmlns:p14="http://schemas.microsoft.com/office/powerpoint/2010/main" val="378290848"/>
+        <p14:creationId xmlns:p14="http://schemas.microsoft.com/office/powerpoint/2010/main" val="700590728"/>
       </p:ext>
     </p:extLst>
   </p:cSld>
@@ -881,7 +965,7 @@
           <a:p>
             <a:fld id="{0FF3EE0D-70A9-3744-80A0-179DFFBD3C67}" type="slidenum">
               <a:rPr lang="en-US" smtClean="0"/>
-              <a:t>6</a:t>
+              <a:t>5</a:t>
             </a:fld>
             <a:endParaRPr lang="en-US"/>
           </a:p>
@@ -890,7 +974,7 @@
     </p:spTree>
     <p:extLst>
       <p:ext uri="{BB962C8B-B14F-4D97-AF65-F5344CB8AC3E}">
-        <p14:creationId xmlns:p14="http://schemas.microsoft.com/office/powerpoint/2010/main" val="1002189756"/>
+        <p14:creationId xmlns:p14="http://schemas.microsoft.com/office/powerpoint/2010/main" val="378290848"/>
       </p:ext>
     </p:extLst>
   </p:cSld>
@@ -965,7 +1049,7 @@
           <a:p>
             <a:fld id="{0FF3EE0D-70A9-3744-80A0-179DFFBD3C67}" type="slidenum">
               <a:rPr lang="en-US" smtClean="0"/>
-              <a:t>7</a:t>
+              <a:t>6</a:t>
             </a:fld>
             <a:endParaRPr lang="en-US"/>
           </a:p>
@@ -974,7 +1058,7 @@
     </p:spTree>
     <p:extLst>
       <p:ext uri="{BB962C8B-B14F-4D97-AF65-F5344CB8AC3E}">
-        <p14:creationId xmlns:p14="http://schemas.microsoft.com/office/powerpoint/2010/main" val="1941386443"/>
+        <p14:creationId xmlns:p14="http://schemas.microsoft.com/office/powerpoint/2010/main" val="1002189756"/>
       </p:ext>
     </p:extLst>
   </p:cSld>
@@ -1049,7 +1133,7 @@
           <a:p>
             <a:fld id="{0FF3EE0D-70A9-3744-80A0-179DFFBD3C67}" type="slidenum">
               <a:rPr lang="en-US" smtClean="0"/>
-              <a:t>8</a:t>
+              <a:t>7</a:t>
             </a:fld>
             <a:endParaRPr lang="en-US"/>
           </a:p>
@@ -1058,7 +1142,7 @@
     </p:spTree>
     <p:extLst>
       <p:ext uri="{BB962C8B-B14F-4D97-AF65-F5344CB8AC3E}">
-        <p14:creationId xmlns:p14="http://schemas.microsoft.com/office/powerpoint/2010/main" val="1752086253"/>
+        <p14:creationId xmlns:p14="http://schemas.microsoft.com/office/powerpoint/2010/main" val="1941386443"/>
       </p:ext>
     </p:extLst>
   </p:cSld>
@@ -1133,7 +1217,7 @@
           <a:p>
             <a:fld id="{0FF3EE0D-70A9-3744-80A0-179DFFBD3C67}" type="slidenum">
               <a:rPr lang="en-US" smtClean="0"/>
-              <a:t>10</a:t>
+              <a:t>8</a:t>
             </a:fld>
             <a:endParaRPr lang="en-US"/>
           </a:p>
@@ -1142,7 +1226,7 @@
     </p:spTree>
     <p:extLst>
       <p:ext uri="{BB962C8B-B14F-4D97-AF65-F5344CB8AC3E}">
-        <p14:creationId xmlns:p14="http://schemas.microsoft.com/office/powerpoint/2010/main" val="1977928785"/>
+        <p14:creationId xmlns:p14="http://schemas.microsoft.com/office/powerpoint/2010/main" val="1752086253"/>
       </p:ext>
     </p:extLst>
   </p:cSld>
@@ -1217,7 +1301,7 @@
           <a:p>
             <a:fld id="{0FF3EE0D-70A9-3744-80A0-179DFFBD3C67}" type="slidenum">
               <a:rPr lang="en-US" smtClean="0"/>
-              <a:t>11</a:t>
+              <a:t>10</a:t>
             </a:fld>
             <a:endParaRPr lang="en-US"/>
           </a:p>
@@ -1226,7 +1310,7 @@
     </p:spTree>
     <p:extLst>
       <p:ext uri="{BB962C8B-B14F-4D97-AF65-F5344CB8AC3E}">
-        <p14:creationId xmlns:p14="http://schemas.microsoft.com/office/powerpoint/2010/main" val="1800522714"/>
+        <p14:creationId xmlns:p14="http://schemas.microsoft.com/office/powerpoint/2010/main" val="1977928785"/>
       </p:ext>
     </p:extLst>
   </p:cSld>
@@ -1301,7 +1385,7 @@
           <a:p>
             <a:fld id="{0FF3EE0D-70A9-3744-80A0-179DFFBD3C67}" type="slidenum">
               <a:rPr lang="en-US" smtClean="0"/>
-              <a:t>12</a:t>
+              <a:t>11</a:t>
             </a:fld>
             <a:endParaRPr lang="en-US"/>
           </a:p>
@@ -1310,7 +1394,7 @@
     </p:spTree>
     <p:extLst>
       <p:ext uri="{BB962C8B-B14F-4D97-AF65-F5344CB8AC3E}">
-        <p14:creationId xmlns:p14="http://schemas.microsoft.com/office/powerpoint/2010/main" val="474341101"/>
+        <p14:creationId xmlns:p14="http://schemas.microsoft.com/office/powerpoint/2010/main" val="1800522714"/>
       </p:ext>
     </p:extLst>
   </p:cSld>
@@ -1385,7 +1469,7 @@
           <a:p>
             <a:fld id="{0FF3EE0D-70A9-3744-80A0-179DFFBD3C67}" type="slidenum">
               <a:rPr lang="en-US" smtClean="0"/>
-              <a:t>13</a:t>
+              <a:t>12</a:t>
             </a:fld>
             <a:endParaRPr lang="en-US"/>
           </a:p>
@@ -1394,7 +1478,7 @@
     </p:spTree>
     <p:extLst>
       <p:ext uri="{BB962C8B-B14F-4D97-AF65-F5344CB8AC3E}">
-        <p14:creationId xmlns:p14="http://schemas.microsoft.com/office/powerpoint/2010/main" val="2053163609"/>
+        <p14:creationId xmlns:p14="http://schemas.microsoft.com/office/powerpoint/2010/main" val="474341101"/>
       </p:ext>
     </p:extLst>
   </p:cSld>
@@ -1570,9 +1654,9 @@
             </a:lvl1pPr>
           </a:lstStyle>
           <a:p>
-            <a:fld id="{9E016143-E03C-4CFD-AFDC-14E5BDEA754C}" type="datetimeFigureOut">
-              <a:rPr lang="en-US" dirty="0"/>
-              <a:t>4/22/16</a:t>
+            <a:fld id="{6898B705-5FFE-9F4D-8008-C4862FF0FA71}" type="datetime1">
+              <a:rPr lang="en-US" smtClean="0"/>
+              <a:t>11/21/16</a:t>
             </a:fld>
             <a:endParaRPr lang="en-US" dirty="0"/>
           </a:p>
@@ -1794,9 +1878,9 @@
           <a:bodyPr/>
           <a:lstStyle/>
           <a:p>
-            <a:fld id="{C033E54A-A8CA-48C1-9504-691B58049D29}" type="datetimeFigureOut">
-              <a:rPr lang="en-US" dirty="0"/>
-              <a:t>4/22/16</a:t>
+            <a:fld id="{80D0EF71-7976-3A4B-A1E7-81787B4E0C89}" type="datetime1">
+              <a:rPr lang="en-US" smtClean="0"/>
+              <a:t>11/21/16</a:t>
             </a:fld>
             <a:endParaRPr lang="en-US" dirty="0"/>
           </a:p>
@@ -1969,9 +2053,9 @@
           <a:bodyPr/>
           <a:lstStyle/>
           <a:p>
-            <a:fld id="{B5F6C806-BBF7-471C-9527-881CE2266695}" type="datetimeFigureOut">
-              <a:rPr lang="en-US" dirty="0"/>
-              <a:t>4/22/16</a:t>
+            <a:fld id="{4EC9F5B6-44C8-B948-8DE9-635D16FC9B63}" type="datetime1">
+              <a:rPr lang="en-US" smtClean="0"/>
+              <a:t>11/21/16</a:t>
             </a:fld>
             <a:endParaRPr lang="en-US" dirty="0"/>
           </a:p>
@@ -2134,9 +2218,9 @@
           <a:bodyPr/>
           <a:lstStyle/>
           <a:p>
-            <a:fld id="{78C94063-DF36-4330-A365-08DA1FA5B7D6}" type="datetimeFigureOut">
-              <a:rPr lang="en-US" dirty="0"/>
-              <a:t>4/22/16</a:t>
+            <a:fld id="{19E7B75C-E825-BC43-A4B1-EB9BFCF6FB6F}" type="datetime1">
+              <a:rPr lang="en-US" smtClean="0"/>
+              <a:t>11/21/16</a:t>
             </a:fld>
             <a:endParaRPr lang="en-US" dirty="0"/>
           </a:p>
@@ -2383,9 +2467,9 @@
           <a:bodyPr/>
           <a:lstStyle/>
           <a:p>
-            <a:fld id="{908A7C6C-0F39-4D70-8E8D-FE5B9C95FA73}" type="datetimeFigureOut">
-              <a:rPr lang="en-US" dirty="0"/>
-              <a:t>4/22/16</a:t>
+            <a:fld id="{1BEEB196-A45A-D845-99A2-A6C5754BCCDE}" type="datetime1">
+              <a:rPr lang="en-US" smtClean="0"/>
+              <a:t>11/21/16</a:t>
             </a:fld>
             <a:endParaRPr lang="en-US" dirty="0"/>
           </a:p>
@@ -2704,9 +2788,9 @@
           <a:bodyPr/>
           <a:lstStyle/>
           <a:p>
-            <a:fld id="{DFCFA4AC-08CC-42CE-BD01-C191750A04EC}" type="datetimeFigureOut">
-              <a:rPr lang="en-US" dirty="0"/>
-              <a:t>4/22/16</a:t>
+            <a:fld id="{8E1B8C47-084D-5E4F-9F39-A9CC0AEE1836}" type="datetime1">
+              <a:rPr lang="en-US" smtClean="0"/>
+              <a:t>11/21/16</a:t>
             </a:fld>
             <a:endParaRPr lang="en-US" dirty="0"/>
           </a:p>
@@ -3150,9 +3234,9 @@
           <a:bodyPr/>
           <a:lstStyle/>
           <a:p>
-            <a:fld id="{1BA7A723-92A7-435B-B681-F25B092FEFEB}" type="datetimeFigureOut">
-              <a:rPr lang="en-US" dirty="0"/>
-              <a:t>4/22/16</a:t>
+            <a:fld id="{555F556A-2A7E-7441-B66C-58B0F29F0DD4}" type="datetime1">
+              <a:rPr lang="en-US" smtClean="0"/>
+              <a:t>11/21/16</a:t>
             </a:fld>
             <a:endParaRPr lang="en-US" dirty="0"/>
           </a:p>
@@ -3263,9 +3347,9 @@
           <a:bodyPr/>
           <a:lstStyle/>
           <a:p>
-            <a:fld id="{4F170639-886C-4FCF-9EAB-ABB5DA3F3F4A}" type="datetimeFigureOut">
-              <a:rPr lang="en-US" dirty="0"/>
-              <a:t>4/22/16</a:t>
+            <a:fld id="{597A0E91-21C9-B34B-BDA3-54828D048E15}" type="datetime1">
+              <a:rPr lang="en-US" smtClean="0"/>
+              <a:t>11/21/16</a:t>
             </a:fld>
             <a:endParaRPr lang="en-US" dirty="0"/>
           </a:p>
@@ -3353,9 +3437,9 @@
           <a:bodyPr/>
           <a:lstStyle/>
           <a:p>
-            <a:fld id="{22230651-31F4-45D2-98AE-A2108F41BC07}" type="datetimeFigureOut">
-              <a:rPr lang="en-US" dirty="0"/>
-              <a:t>4/22/16</a:t>
+            <a:fld id="{AFA4D219-0026-5E46-A97C-95D1AFD5F241}" type="datetime1">
+              <a:rPr lang="en-US" smtClean="0"/>
+              <a:t>11/21/16</a:t>
             </a:fld>
             <a:endParaRPr lang="en-US" dirty="0"/>
           </a:p>
@@ -3635,9 +3719,9 @@
           <a:bodyPr/>
           <a:lstStyle/>
           <a:p>
-            <a:fld id="{6F53789A-C914-4DB1-8815-80B5EC7335C5}" type="datetimeFigureOut">
-              <a:rPr lang="en-US" dirty="0"/>
-              <a:t>4/22/16</a:t>
+            <a:fld id="{C7D4A4E5-D3F3-0340-933B-89100A486D39}" type="datetime1">
+              <a:rPr lang="en-US" smtClean="0"/>
+              <a:t>11/21/16</a:t>
             </a:fld>
             <a:endParaRPr lang="en-US" dirty="0"/>
           </a:p>
@@ -3955,9 +4039,9 @@
           <a:bodyPr/>
           <a:lstStyle/>
           <a:p>
-            <a:fld id="{5E6440AA-91A0-436F-8FDB-C0F939DCAE21}" type="datetimeFigureOut">
-              <a:rPr lang="en-US" dirty="0"/>
-              <a:t>4/22/16</a:t>
+            <a:fld id="{B6965C76-6878-A94F-91FC-5ED539D1DEF7}" type="datetime1">
+              <a:rPr lang="en-US" smtClean="0"/>
+              <a:t>11/21/16</a:t>
             </a:fld>
             <a:endParaRPr lang="en-US" dirty="0"/>
           </a:p>
@@ -4204,9 +4288,9 @@
             </a:lvl1pPr>
           </a:lstStyle>
           <a:p>
-            <a:fld id="{0E59FD0C-5451-4CA0-86AF-E70AE3279989}" type="datetimeFigureOut">
-              <a:rPr lang="en-US" dirty="0"/>
-              <a:t>4/22/16</a:t>
+            <a:fld id="{F3F457DB-16BB-F94C-806C-4F6051AD180A}" type="datetime1">
+              <a:rPr lang="en-US" smtClean="0"/>
+              <a:t>11/21/16</a:t>
             </a:fld>
             <a:endParaRPr lang="en-US" dirty="0"/>
           </a:p>
@@ -4311,7 +4395,7 @@
     <p:sldLayoutId id="2147483850" r:id="rId10"/>
     <p:sldLayoutId id="2147483851" r:id="rId11"/>
   </p:sldLayoutIdLst>
-  <p:hf sldNum="0" hdr="0" ftr="0" dt="0"/>
+  <p:hf hdr="0" ftr="0" dt="0"/>
   <p:txStyles>
     <p:titleStyle>
       <a:lvl1pPr algn="l" defTabSz="914400" rtl="0" eaLnBrk="1" latinLnBrk="0" hangingPunct="1">
@@ -4731,14 +4815,38 @@
           <a:p>
             <a:r>
               <a:rPr lang="en-US" dirty="0" smtClean="0"/>
-              <a:t>Week 13: Concurrency and Threading</a:t>
-            </a:r>
-          </a:p>
-          <a:p>
+              <a:t>Week 13: Concurrency and </a:t>
+            </a:r>
             <a:r>
               <a:rPr lang="en-US" dirty="0" smtClean="0"/>
-              <a:t>April 21, 2016</a:t>
-            </a:r>
+              <a:t>Threading</a:t>
+            </a:r>
+            <a:endParaRPr lang="en-US" dirty="0" smtClean="0"/>
+          </a:p>
+        </p:txBody>
+      </p:sp>
+      <p:sp>
+        <p:nvSpPr>
+          <p:cNvPr id="4" name="Slide Number Placeholder 3"/>
+          <p:cNvSpPr>
+            <a:spLocks noGrp="1"/>
+          </p:cNvSpPr>
+          <p:nvPr>
+            <p:ph type="sldNum" sz="quarter" idx="12"/>
+          </p:nvPr>
+        </p:nvSpPr>
+        <p:spPr/>
+        <p:txBody>
+          <a:bodyPr>
+            <a:normAutofit lnSpcReduction="10000"/>
+          </a:bodyPr>
+          <a:lstStyle/>
+          <a:p>
+            <a:fld id="{4FAB73BC-B049-4115-A692-8D63A059BFB8}" type="slidenum">
+              <a:rPr lang="en-US" smtClean="0"/>
+              <a:pPr/>
+              <a:t>1</a:t>
+            </a:fld>
             <a:endParaRPr lang="en-US" dirty="0"/>
           </a:p>
         </p:txBody>
@@ -4844,6 +4952,31 @@
           </a:p>
         </p:txBody>
       </p:sp>
+      <p:sp>
+        <p:nvSpPr>
+          <p:cNvPr id="4" name="Slide Number Placeholder 3"/>
+          <p:cNvSpPr>
+            <a:spLocks noGrp="1"/>
+          </p:cNvSpPr>
+          <p:nvPr>
+            <p:ph type="sldNum" sz="quarter" idx="12"/>
+          </p:nvPr>
+        </p:nvSpPr>
+        <p:spPr/>
+        <p:txBody>
+          <a:bodyPr>
+            <a:normAutofit lnSpcReduction="10000"/>
+          </a:bodyPr>
+          <a:lstStyle/>
+          <a:p>
+            <a:fld id="{4FAB73BC-B049-4115-A692-8D63A059BFB8}" type="slidenum">
+              <a:rPr lang="en-US" smtClean="0"/>
+              <a:t>10</a:t>
+            </a:fld>
+            <a:endParaRPr lang="en-US" dirty="0"/>
+          </a:p>
+        </p:txBody>
+      </p:sp>
     </p:spTree>
     <p:extLst>
       <p:ext uri="{BB962C8B-B14F-4D97-AF65-F5344CB8AC3E}">
@@ -4958,6 +5091,31 @@
           </a:p>
         </p:txBody>
       </p:sp>
+      <p:sp>
+        <p:nvSpPr>
+          <p:cNvPr id="4" name="Slide Number Placeholder 3"/>
+          <p:cNvSpPr>
+            <a:spLocks noGrp="1"/>
+          </p:cNvSpPr>
+          <p:nvPr>
+            <p:ph type="sldNum" sz="quarter" idx="12"/>
+          </p:nvPr>
+        </p:nvSpPr>
+        <p:spPr/>
+        <p:txBody>
+          <a:bodyPr>
+            <a:normAutofit lnSpcReduction="10000"/>
+          </a:bodyPr>
+          <a:lstStyle/>
+          <a:p>
+            <a:fld id="{4FAB73BC-B049-4115-A692-8D63A059BFB8}" type="slidenum">
+              <a:rPr lang="en-US" smtClean="0"/>
+              <a:t>11</a:t>
+            </a:fld>
+            <a:endParaRPr lang="en-US" dirty="0"/>
+          </a:p>
+        </p:txBody>
+      </p:sp>
     </p:spTree>
     <p:extLst>
       <p:ext uri="{BB962C8B-B14F-4D97-AF65-F5344CB8AC3E}">
@@ -5084,6 +5242,31 @@
           </a:p>
         </p:txBody>
       </p:sp>
+      <p:sp>
+        <p:nvSpPr>
+          <p:cNvPr id="4" name="Slide Number Placeholder 3"/>
+          <p:cNvSpPr>
+            <a:spLocks noGrp="1"/>
+          </p:cNvSpPr>
+          <p:nvPr>
+            <p:ph type="sldNum" sz="quarter" idx="12"/>
+          </p:nvPr>
+        </p:nvSpPr>
+        <p:spPr/>
+        <p:txBody>
+          <a:bodyPr>
+            <a:normAutofit lnSpcReduction="10000"/>
+          </a:bodyPr>
+          <a:lstStyle/>
+          <a:p>
+            <a:fld id="{4FAB73BC-B049-4115-A692-8D63A059BFB8}" type="slidenum">
+              <a:rPr lang="en-US" smtClean="0"/>
+              <a:t>12</a:t>
+            </a:fld>
+            <a:endParaRPr lang="en-US" dirty="0"/>
+          </a:p>
+        </p:txBody>
+      </p:sp>
     </p:spTree>
     <p:extLst>
       <p:ext uri="{BB962C8B-B14F-4D97-AF65-F5344CB8AC3E}">
@@ -5201,6 +5384,31 @@
           </a:p>
         </p:txBody>
       </p:sp>
+      <p:sp>
+        <p:nvSpPr>
+          <p:cNvPr id="4" name="Slide Number Placeholder 3"/>
+          <p:cNvSpPr>
+            <a:spLocks noGrp="1"/>
+          </p:cNvSpPr>
+          <p:nvPr>
+            <p:ph type="sldNum" sz="quarter" idx="12"/>
+          </p:nvPr>
+        </p:nvSpPr>
+        <p:spPr/>
+        <p:txBody>
+          <a:bodyPr>
+            <a:normAutofit lnSpcReduction="10000"/>
+          </a:bodyPr>
+          <a:lstStyle/>
+          <a:p>
+            <a:fld id="{4FAB73BC-B049-4115-A692-8D63A059BFB8}" type="slidenum">
+              <a:rPr lang="en-US" smtClean="0"/>
+              <a:t>13</a:t>
+            </a:fld>
+            <a:endParaRPr lang="en-US" dirty="0"/>
+          </a:p>
+        </p:txBody>
+      </p:sp>
     </p:spTree>
     <p:extLst>
       <p:ext uri="{BB962C8B-B14F-4D97-AF65-F5344CB8AC3E}">
@@ -5336,14 +5544,39 @@
               <a:t>includes </a:t>
             </a:r>
             <a:r>
-              <a:rPr lang="en-US" sz="3000" dirty="0" err="1" smtClean="0"/>
-              <a:t>warpper</a:t>
-            </a:r>
-            <a:r>
               <a:rPr lang="en-US" sz="3000" dirty="0" smtClean="0"/>
-              <a:t> methods to create thread-safe collection objects but often affect performance and require the use of semaphores when iterating </a:t>
+              <a:t>wrapper </a:t>
+            </a:r>
+            <a:r>
+              <a:rPr lang="en-US" sz="3000" dirty="0" smtClean="0"/>
+              <a:t>methods to create thread-safe collection objects but often affect performance and require the use of semaphores when iterating </a:t>
             </a:r>
             <a:endParaRPr lang="en-US" sz="3000" i="1" dirty="0" smtClean="0"/>
+          </a:p>
+        </p:txBody>
+      </p:sp>
+      <p:sp>
+        <p:nvSpPr>
+          <p:cNvPr id="4" name="Slide Number Placeholder 3"/>
+          <p:cNvSpPr>
+            <a:spLocks noGrp="1"/>
+          </p:cNvSpPr>
+          <p:nvPr>
+            <p:ph type="sldNum" sz="quarter" idx="12"/>
+          </p:nvPr>
+        </p:nvSpPr>
+        <p:spPr/>
+        <p:txBody>
+          <a:bodyPr>
+            <a:normAutofit lnSpcReduction="10000"/>
+          </a:bodyPr>
+          <a:lstStyle/>
+          <a:p>
+            <a:fld id="{4FAB73BC-B049-4115-A692-8D63A059BFB8}" type="slidenum">
+              <a:rPr lang="en-US" smtClean="0"/>
+              <a:t>14</a:t>
+            </a:fld>
+            <a:endParaRPr lang="en-US" dirty="0"/>
           </a:p>
         </p:txBody>
       </p:sp>
@@ -5459,6 +5692,31 @@
           </a:p>
         </p:txBody>
       </p:sp>
+      <p:sp>
+        <p:nvSpPr>
+          <p:cNvPr id="4" name="Slide Number Placeholder 3"/>
+          <p:cNvSpPr>
+            <a:spLocks noGrp="1"/>
+          </p:cNvSpPr>
+          <p:nvPr>
+            <p:ph type="sldNum" sz="quarter" idx="12"/>
+          </p:nvPr>
+        </p:nvSpPr>
+        <p:spPr/>
+        <p:txBody>
+          <a:bodyPr>
+            <a:normAutofit lnSpcReduction="10000"/>
+          </a:bodyPr>
+          <a:lstStyle/>
+          <a:p>
+            <a:fld id="{4FAB73BC-B049-4115-A692-8D63A059BFB8}" type="slidenum">
+              <a:rPr lang="en-US" smtClean="0"/>
+              <a:t>15</a:t>
+            </a:fld>
+            <a:endParaRPr lang="en-US" dirty="0"/>
+          </a:p>
+        </p:txBody>
+      </p:sp>
     </p:spTree>
     <p:extLst>
       <p:ext uri="{BB962C8B-B14F-4D97-AF65-F5344CB8AC3E}">
@@ -5890,6 +6148,31 @@
           </a:p>
         </p:txBody>
       </p:sp>
+      <p:sp>
+        <p:nvSpPr>
+          <p:cNvPr id="4" name="Slide Number Placeholder 3"/>
+          <p:cNvSpPr>
+            <a:spLocks noGrp="1"/>
+          </p:cNvSpPr>
+          <p:nvPr>
+            <p:ph type="sldNum" sz="quarter" idx="12"/>
+          </p:nvPr>
+        </p:nvSpPr>
+        <p:spPr/>
+        <p:txBody>
+          <a:bodyPr>
+            <a:normAutofit lnSpcReduction="10000"/>
+          </a:bodyPr>
+          <a:lstStyle/>
+          <a:p>
+            <a:fld id="{4FAB73BC-B049-4115-A692-8D63A059BFB8}" type="slidenum">
+              <a:rPr lang="en-US" smtClean="0"/>
+              <a:t>16</a:t>
+            </a:fld>
+            <a:endParaRPr lang="en-US" dirty="0"/>
+          </a:p>
+        </p:txBody>
+      </p:sp>
     </p:spTree>
     <p:extLst>
       <p:ext uri="{BB962C8B-B14F-4D97-AF65-F5344CB8AC3E}">
@@ -5972,6 +6255,31 @@
           </a:p>
         </p:txBody>
       </p:sp>
+      <p:sp>
+        <p:nvSpPr>
+          <p:cNvPr id="4" name="Slide Number Placeholder 3"/>
+          <p:cNvSpPr>
+            <a:spLocks noGrp="1"/>
+          </p:cNvSpPr>
+          <p:nvPr>
+            <p:ph type="sldNum" sz="quarter" idx="12"/>
+          </p:nvPr>
+        </p:nvSpPr>
+        <p:spPr/>
+        <p:txBody>
+          <a:bodyPr>
+            <a:normAutofit lnSpcReduction="10000"/>
+          </a:bodyPr>
+          <a:lstStyle/>
+          <a:p>
+            <a:fld id="{4FAB73BC-B049-4115-A692-8D63A059BFB8}" type="slidenum">
+              <a:rPr lang="en-US" smtClean="0"/>
+              <a:t>2</a:t>
+            </a:fld>
+            <a:endParaRPr lang="en-US" dirty="0"/>
+          </a:p>
+        </p:txBody>
+      </p:sp>
     </p:spTree>
     <p:extLst>
       <p:ext uri="{BB962C8B-B14F-4D97-AF65-F5344CB8AC3E}">
@@ -6044,6 +6352,31 @@
           </a:p>
         </p:txBody>
       </p:sp>
+      <p:sp>
+        <p:nvSpPr>
+          <p:cNvPr id="2" name="Slide Number Placeholder 1"/>
+          <p:cNvSpPr>
+            <a:spLocks noGrp="1"/>
+          </p:cNvSpPr>
+          <p:nvPr>
+            <p:ph type="sldNum" sz="quarter" idx="12"/>
+          </p:nvPr>
+        </p:nvSpPr>
+        <p:spPr/>
+        <p:txBody>
+          <a:bodyPr>
+            <a:normAutofit lnSpcReduction="10000"/>
+          </a:bodyPr>
+          <a:lstStyle/>
+          <a:p>
+            <a:fld id="{4FAB73BC-B049-4115-A692-8D63A059BFB8}" type="slidenum">
+              <a:rPr lang="en-US" smtClean="0"/>
+              <a:t>3</a:t>
+            </a:fld>
+            <a:endParaRPr lang="en-US" dirty="0"/>
+          </a:p>
+        </p:txBody>
+      </p:sp>
     </p:spTree>
     <p:extLst>
       <p:ext uri="{BB962C8B-B14F-4D97-AF65-F5344CB8AC3E}">
@@ -6141,6 +6474,31 @@
           </a:p>
         </p:txBody>
       </p:sp>
+      <p:sp>
+        <p:nvSpPr>
+          <p:cNvPr id="4" name="Slide Number Placeholder 3"/>
+          <p:cNvSpPr>
+            <a:spLocks noGrp="1"/>
+          </p:cNvSpPr>
+          <p:nvPr>
+            <p:ph type="sldNum" sz="quarter" idx="12"/>
+          </p:nvPr>
+        </p:nvSpPr>
+        <p:spPr/>
+        <p:txBody>
+          <a:bodyPr>
+            <a:normAutofit lnSpcReduction="10000"/>
+          </a:bodyPr>
+          <a:lstStyle/>
+          <a:p>
+            <a:fld id="{4FAB73BC-B049-4115-A692-8D63A059BFB8}" type="slidenum">
+              <a:rPr lang="en-US" smtClean="0"/>
+              <a:t>4</a:t>
+            </a:fld>
+            <a:endParaRPr lang="en-US" dirty="0"/>
+          </a:p>
+        </p:txBody>
+      </p:sp>
     </p:spTree>
     <p:extLst>
       <p:ext uri="{BB962C8B-B14F-4D97-AF65-F5344CB8AC3E}">
@@ -6513,6 +6871,31 @@
           </a:p>
         </p:txBody>
       </p:sp>
+      <p:sp>
+        <p:nvSpPr>
+          <p:cNvPr id="5" name="Slide Number Placeholder 4"/>
+          <p:cNvSpPr>
+            <a:spLocks noGrp="1"/>
+          </p:cNvSpPr>
+          <p:nvPr>
+            <p:ph type="sldNum" sz="quarter" idx="12"/>
+          </p:nvPr>
+        </p:nvSpPr>
+        <p:spPr/>
+        <p:txBody>
+          <a:bodyPr>
+            <a:normAutofit lnSpcReduction="10000"/>
+          </a:bodyPr>
+          <a:lstStyle/>
+          <a:p>
+            <a:fld id="{4FAB73BC-B049-4115-A692-8D63A059BFB8}" type="slidenum">
+              <a:rPr lang="en-US" smtClean="0"/>
+              <a:t>5</a:t>
+            </a:fld>
+            <a:endParaRPr lang="en-US" dirty="0"/>
+          </a:p>
+        </p:txBody>
+      </p:sp>
     </p:spTree>
     <p:extLst>
       <p:ext uri="{BB962C8B-B14F-4D97-AF65-F5344CB8AC3E}">
@@ -6634,6 +7017,31 @@
           </a:p>
         </p:txBody>
       </p:sp>
+      <p:sp>
+        <p:nvSpPr>
+          <p:cNvPr id="4" name="Slide Number Placeholder 3"/>
+          <p:cNvSpPr>
+            <a:spLocks noGrp="1"/>
+          </p:cNvSpPr>
+          <p:nvPr>
+            <p:ph type="sldNum" sz="quarter" idx="12"/>
+          </p:nvPr>
+        </p:nvSpPr>
+        <p:spPr/>
+        <p:txBody>
+          <a:bodyPr>
+            <a:normAutofit lnSpcReduction="10000"/>
+          </a:bodyPr>
+          <a:lstStyle/>
+          <a:p>
+            <a:fld id="{4FAB73BC-B049-4115-A692-8D63A059BFB8}" type="slidenum">
+              <a:rPr lang="en-US" smtClean="0"/>
+              <a:t>6</a:t>
+            </a:fld>
+            <a:endParaRPr lang="en-US" dirty="0"/>
+          </a:p>
+        </p:txBody>
+      </p:sp>
     </p:spTree>
     <p:extLst>
       <p:ext uri="{BB962C8B-B14F-4D97-AF65-F5344CB8AC3E}">
@@ -6717,6 +7125,31 @@
           </a:p>
         </p:txBody>
       </p:sp>
+      <p:sp>
+        <p:nvSpPr>
+          <p:cNvPr id="4" name="Slide Number Placeholder 3"/>
+          <p:cNvSpPr>
+            <a:spLocks noGrp="1"/>
+          </p:cNvSpPr>
+          <p:nvPr>
+            <p:ph type="sldNum" sz="quarter" idx="12"/>
+          </p:nvPr>
+        </p:nvSpPr>
+        <p:spPr/>
+        <p:txBody>
+          <a:bodyPr>
+            <a:normAutofit lnSpcReduction="10000"/>
+          </a:bodyPr>
+          <a:lstStyle/>
+          <a:p>
+            <a:fld id="{4FAB73BC-B049-4115-A692-8D63A059BFB8}" type="slidenum">
+              <a:rPr lang="en-US" smtClean="0"/>
+              <a:t>7</a:t>
+            </a:fld>
+            <a:endParaRPr lang="en-US" dirty="0"/>
+          </a:p>
+        </p:txBody>
+      </p:sp>
     </p:spTree>
     <p:extLst>
       <p:ext uri="{BB962C8B-B14F-4D97-AF65-F5344CB8AC3E}">
@@ -6812,12 +7245,12 @@
               <a:t>is a </a:t>
             </a:r>
             <a:r>
-              <a:rPr lang="en-US" sz="3000" dirty="0" err="1" smtClean="0"/>
-              <a:t>scenerio</a:t>
-            </a:r>
-            <a:r>
               <a:rPr lang="en-US" sz="3000" dirty="0" smtClean="0"/>
-              <a:t> in which multiple threads access data and the final result is dependent on the timing of how threads are executed</a:t>
+              <a:t>scenario </a:t>
+            </a:r>
+            <a:r>
+              <a:rPr lang="en-US" sz="3000" dirty="0" smtClean="0"/>
+              <a:t>in which multiple threads access data and the final result is dependent on the timing of how threads are executed</a:t>
             </a:r>
           </a:p>
           <a:p>
@@ -6830,6 +7263,31 @@
               <a:t>to a method allows only one thread to execute a method at a time</a:t>
             </a:r>
             <a:endParaRPr lang="en-US" sz="3000" b="1" dirty="0" smtClean="0"/>
+          </a:p>
+        </p:txBody>
+      </p:sp>
+      <p:sp>
+        <p:nvSpPr>
+          <p:cNvPr id="4" name="Slide Number Placeholder 3"/>
+          <p:cNvSpPr>
+            <a:spLocks noGrp="1"/>
+          </p:cNvSpPr>
+          <p:nvPr>
+            <p:ph type="sldNum" sz="quarter" idx="12"/>
+          </p:nvPr>
+        </p:nvSpPr>
+        <p:spPr/>
+        <p:txBody>
+          <a:bodyPr>
+            <a:normAutofit lnSpcReduction="10000"/>
+          </a:bodyPr>
+          <a:lstStyle/>
+          <a:p>
+            <a:fld id="{4FAB73BC-B049-4115-A692-8D63A059BFB8}" type="slidenum">
+              <a:rPr lang="en-US" smtClean="0"/>
+              <a:t>8</a:t>
+            </a:fld>
+            <a:endParaRPr lang="en-US" dirty="0"/>
           </a:p>
         </p:txBody>
       </p:sp>
@@ -6901,6 +7359,31 @@
           <a:bodyPr/>
           <a:lstStyle/>
           <a:p>
+            <a:endParaRPr lang="en-US" dirty="0"/>
+          </a:p>
+        </p:txBody>
+      </p:sp>
+      <p:sp>
+        <p:nvSpPr>
+          <p:cNvPr id="2" name="Slide Number Placeholder 1"/>
+          <p:cNvSpPr>
+            <a:spLocks noGrp="1"/>
+          </p:cNvSpPr>
+          <p:nvPr>
+            <p:ph type="sldNum" sz="quarter" idx="12"/>
+          </p:nvPr>
+        </p:nvSpPr>
+        <p:spPr/>
+        <p:txBody>
+          <a:bodyPr>
+            <a:normAutofit lnSpcReduction="10000"/>
+          </a:bodyPr>
+          <a:lstStyle/>
+          <a:p>
+            <a:fld id="{4FAB73BC-B049-4115-A692-8D63A059BFB8}" type="slidenum">
+              <a:rPr lang="en-US" smtClean="0"/>
+              <a:t>9</a:t>
+            </a:fld>
             <a:endParaRPr lang="en-US" dirty="0"/>
           </a:p>
         </p:txBody>
